--- a/course_resources/slides/Used/017_Gridsearch.pptx
+++ b/course_resources/slides/Used/017_Gridsearch.pptx
@@ -5,23 +5,26 @@
     <p:sldMasterId id="2147483660" r:id="rId1"/>
   </p:sldMasterIdLst>
   <p:sldIdLst>
-    <p:sldId id="256" r:id="rId2"/>
-    <p:sldId id="271" r:id="rId3"/>
-    <p:sldId id="259" r:id="rId4"/>
-    <p:sldId id="270" r:id="rId5"/>
-    <p:sldId id="260" r:id="rId6"/>
-    <p:sldId id="265" r:id="rId7"/>
-    <p:sldId id="266" r:id="rId8"/>
-    <p:sldId id="261" r:id="rId9"/>
-    <p:sldId id="272" r:id="rId10"/>
-    <p:sldId id="267" r:id="rId11"/>
-    <p:sldId id="257" r:id="rId12"/>
-    <p:sldId id="258" r:id="rId13"/>
-    <p:sldId id="263" r:id="rId14"/>
-    <p:sldId id="262" r:id="rId15"/>
-    <p:sldId id="268" r:id="rId16"/>
-    <p:sldId id="264" r:id="rId17"/>
-    <p:sldId id="269" r:id="rId18"/>
+    <p:sldId id="273" r:id="rId2"/>
+    <p:sldId id="256" r:id="rId3"/>
+    <p:sldId id="274" r:id="rId4"/>
+    <p:sldId id="275" r:id="rId5"/>
+    <p:sldId id="271" r:id="rId6"/>
+    <p:sldId id="259" r:id="rId7"/>
+    <p:sldId id="270" r:id="rId8"/>
+    <p:sldId id="260" r:id="rId9"/>
+    <p:sldId id="265" r:id="rId10"/>
+    <p:sldId id="266" r:id="rId11"/>
+    <p:sldId id="261" r:id="rId12"/>
+    <p:sldId id="272" r:id="rId13"/>
+    <p:sldId id="267" r:id="rId14"/>
+    <p:sldId id="257" r:id="rId15"/>
+    <p:sldId id="258" r:id="rId16"/>
+    <p:sldId id="263" r:id="rId17"/>
+    <p:sldId id="262" r:id="rId18"/>
+    <p:sldId id="268" r:id="rId19"/>
+    <p:sldId id="264" r:id="rId20"/>
+    <p:sldId id="269" r:id="rId21"/>
   </p:sldIdLst>
   <p:sldSz cx="12192000" cy="6858000"/>
   <p:notesSz cx="6858000" cy="9144000"/>
@@ -3646,7 +3649,7 @@
           <p:cNvPr id="2" name="Title 1">
             <a:extLst>
               <a:ext uri="{FF2B5EF4-FFF2-40B4-BE49-F238E27FC236}">
-                <a16:creationId xmlns:a16="http://schemas.microsoft.com/office/drawing/2014/main" id="{A38FEF34-9FA4-884D-9E8D-C13B94F38403}"/>
+                <a16:creationId xmlns:a16="http://schemas.microsoft.com/office/drawing/2014/main" id="{AA173C13-BB47-1E7B-0D31-4C5F421525C5}"/>
               </a:ext>
             </a:extLst>
           </p:cNvPr>
@@ -3654,7 +3657,7 @@
             <a:spLocks noGrp="1"/>
           </p:cNvSpPr>
           <p:nvPr>
-            <p:ph type="ctrTitle"/>
+            <p:ph type="title"/>
           </p:nvPr>
         </p:nvSpPr>
         <p:spPr/>
@@ -3664,17 +3667,17 @@
           <a:p>
             <a:r>
               <a:rPr lang="en-US" dirty="0"/>
-              <a:t>Grids and Hyperparameters</a:t>
-            </a:r>
-          </a:p>
-        </p:txBody>
-      </p:sp>
-      <p:sp>
-        <p:nvSpPr>
-          <p:cNvPr id="3" name="Subtitle 2">
+              <a:t>Housekeeping</a:t>
+            </a:r>
+          </a:p>
+        </p:txBody>
+      </p:sp>
+      <p:sp>
+        <p:nvSpPr>
+          <p:cNvPr id="3" name="Content Placeholder 2">
             <a:extLst>
               <a:ext uri="{FF2B5EF4-FFF2-40B4-BE49-F238E27FC236}">
-                <a16:creationId xmlns:a16="http://schemas.microsoft.com/office/drawing/2014/main" id="{E5A9FF99-AD19-DE49-A6EA-36CB10813D32}"/>
+                <a16:creationId xmlns:a16="http://schemas.microsoft.com/office/drawing/2014/main" id="{C7D5C0D0-EA93-E80F-DF2F-939D18B6CB25}"/>
               </a:ext>
             </a:extLst>
           </p:cNvPr>
@@ -3682,22 +3685,71 @@
             <a:spLocks noGrp="1"/>
           </p:cNvSpPr>
           <p:nvPr>
-            <p:ph type="subTitle" idx="1"/>
-          </p:nvPr>
-        </p:nvSpPr>
-        <p:spPr/>
-        <p:txBody>
-          <a:bodyPr/>
-          <a:lstStyle/>
-          <a:p>
-            <a:endParaRPr lang="en-US"/>
+            <p:ph idx="1"/>
+          </p:nvPr>
+        </p:nvSpPr>
+        <p:spPr>
+          <a:xfrm>
+            <a:off x="1451579" y="1853754"/>
+            <a:ext cx="9603275" cy="4199727"/>
+          </a:xfrm>
+        </p:spPr>
+        <p:txBody>
+          <a:bodyPr/>
+          <a:lstStyle/>
+          <a:p>
+            <a:r>
+              <a:rPr lang="en-US" dirty="0"/>
+              <a:t>Today (015):</a:t>
+            </a:r>
+          </a:p>
+          <a:p>
+            <a:pPr lvl="1"/>
+            <a:r>
+              <a:rPr lang="en-US" dirty="0"/>
+              <a:t>Hyperparameters</a:t>
+            </a:r>
+          </a:p>
+          <a:p>
+            <a:pPr lvl="1"/>
+            <a:r>
+              <a:rPr lang="en-US" dirty="0"/>
+              <a:t>Grid search and HP tuning basics. </a:t>
+            </a:r>
+          </a:p>
+          <a:p>
+            <a:pPr lvl="1"/>
+            <a:r>
+              <a:rPr lang="en-US" dirty="0"/>
+              <a:t>Making models a bit better by changing their configuration options. </a:t>
+            </a:r>
+          </a:p>
+          <a:p>
+            <a:r>
+              <a:rPr lang="en-US" dirty="0"/>
+              <a:t>Next:</a:t>
+            </a:r>
+          </a:p>
+          <a:p>
+            <a:pPr lvl="1"/>
+            <a:r>
+              <a:rPr lang="en-US" dirty="0"/>
+              <a:t>Review exercise on this stuff and/or using this with new model types (tree). </a:t>
+            </a:r>
+          </a:p>
+          <a:p>
+            <a:pPr lvl="1"/>
+            <a:r>
+              <a:rPr lang="en-US" dirty="0"/>
+              <a:t>The code changes with new models are minimal, but the way they make their decision is different internally. If you’re ok with the mechanics, then we can proceed. If they are hard and/or confusing, then we can review and fix that. </a:t>
+            </a:r>
           </a:p>
         </p:txBody>
       </p:sp>
     </p:spTree>
     <p:extLst>
       <p:ext uri="{BB962C8B-B14F-4D97-AF65-F5344CB8AC3E}">
-        <p14:creationId xmlns:p14="http://schemas.microsoft.com/office/powerpoint/2010/main" val="2298952365"/>
+        <p14:creationId xmlns:p14="http://schemas.microsoft.com/office/powerpoint/2010/main" val="990160001"/>
       </p:ext>
     </p:extLst>
   </p:cSld>
@@ -3729,7 +3781,7 @@
           <p:cNvPr id="2" name="Title 1">
             <a:extLst>
               <a:ext uri="{FF2B5EF4-FFF2-40B4-BE49-F238E27FC236}">
-                <a16:creationId xmlns:a16="http://schemas.microsoft.com/office/drawing/2014/main" id="{CA9391E5-89BA-6CBC-A0C9-2A14B27FE011}"/>
+                <a16:creationId xmlns:a16="http://schemas.microsoft.com/office/drawing/2014/main" id="{BE61BE41-E786-902C-7AB8-79C1DE80533D}"/>
               </a:ext>
             </a:extLst>
           </p:cNvPr>
@@ -3747,7 +3799,7 @@
           <a:p>
             <a:r>
               <a:rPr lang="en-US" dirty="0"/>
-              <a:t>Running Tests</a:t>
+              <a:t>Grid Usage</a:t>
             </a:r>
           </a:p>
         </p:txBody>
@@ -3757,7 +3809,7 @@
           <p:cNvPr id="3" name="Content Placeholder 2">
             <a:extLst>
               <a:ext uri="{FF2B5EF4-FFF2-40B4-BE49-F238E27FC236}">
-                <a16:creationId xmlns:a16="http://schemas.microsoft.com/office/drawing/2014/main" id="{7D7467D2-1339-37DD-46C5-5F3ECA3FBBD4}"/>
+                <a16:creationId xmlns:a16="http://schemas.microsoft.com/office/drawing/2014/main" id="{378CBF58-40EA-90BF-CC12-A75E42456509}"/>
               </a:ext>
             </a:extLst>
           </p:cNvPr>
@@ -3770,8 +3822,8 @@
         </p:nvSpPr>
         <p:spPr>
           <a:xfrm>
-            <a:off x="1451579" y="2015732"/>
-            <a:ext cx="9603275" cy="3967625"/>
+            <a:off x="1451579" y="1853754"/>
+            <a:ext cx="9603275" cy="4318446"/>
           </a:xfrm>
         </p:spPr>
         <p:txBody>
@@ -3780,46 +3832,75 @@
           <a:p>
             <a:r>
               <a:rPr lang="en-US" dirty="0"/>
-              <a:t>The grid search will run many trials, and calculate the error for each. </a:t>
-            </a:r>
-          </a:p>
-          <a:p>
-            <a:r>
-              <a:rPr lang="en-US" dirty="0"/>
-              <a:t>We are used to splitting data when building models:</a:t>
+              <a:t>The grid search will automate the trials that we’d have to do manually. </a:t>
+            </a:r>
+          </a:p>
+          <a:p>
+            <a:r>
+              <a:rPr lang="en-US" dirty="0"/>
+              <a:t>We get the best model of all possibilities. </a:t>
             </a:r>
           </a:p>
           <a:p>
             <a:pPr lvl="1"/>
             <a:r>
               <a:rPr lang="en-US" dirty="0"/>
-              <a:t>Training data (~70%) used to create the predictive model. </a:t>
+              <a:t>We are still limited by providing a non-massive good set of options, which isn’t always clear. </a:t>
+            </a:r>
+          </a:p>
+          <a:p>
+            <a:r>
+              <a:rPr lang="en-US" dirty="0"/>
+              <a:t>There are other approaches to this automated testing process that can be smarter. </a:t>
             </a:r>
           </a:p>
           <a:p>
             <a:pPr lvl="1"/>
             <a:r>
               <a:rPr lang="en-US" dirty="0"/>
-              <a:t>Testing data (~30%) used to evaluate the accuracy of the model. </a:t>
-            </a:r>
-          </a:p>
-          <a:p>
-            <a:r>
-              <a:rPr lang="en-US" dirty="0"/>
-              <a:t>This split allows us to accurately assess the accuracy on “new” data, and compare models.  </a:t>
-            </a:r>
-          </a:p>
-          <a:p>
-            <a:r>
-              <a:rPr lang="en-US" dirty="0"/>
-              <a:t>What if a split disproportionately benefits or hurts one specific HP combo? </a:t>
+              <a:t>Some things have large numbers of possible options, or wide ranges for numerical HPs. </a:t>
             </a:r>
           </a:p>
           <a:p>
             <a:pPr lvl="1"/>
             <a:r>
               <a:rPr lang="en-US" dirty="0"/>
-              <a:t>A small difference in results may foist a non-optimal model on us. </a:t>
+              <a:t>We generally don’t know exactly what a good set of things to try is. </a:t>
+            </a:r>
+          </a:p>
+          <a:p>
+            <a:pPr lvl="1"/>
+            <a:r>
+              <a:rPr lang="en-US" dirty="0"/>
+              <a:t>For numerical values, dialing into an exact value is even more challenging. </a:t>
+            </a:r>
+          </a:p>
+          <a:p>
+            <a:pPr lvl="1"/>
+            <a:r>
+              <a:rPr lang="en-US" dirty="0"/>
+              <a:t>Randomized search will try random values – good if we have no real idea. </a:t>
+            </a:r>
+          </a:p>
+          <a:p>
+            <a:pPr lvl="1"/>
+            <a:r>
+              <a:rPr lang="en-US" dirty="0"/>
+              <a:t>Halving grid search in </a:t>
+            </a:r>
+            <a:r>
+              <a:rPr lang="en-US" dirty="0" err="1"/>
+              <a:t>sklearn</a:t>
+            </a:r>
+            <a:r>
+              <a:rPr lang="en-US" dirty="0"/>
+              <a:t> uses a smarter approach to find good combinations. </a:t>
+            </a:r>
+          </a:p>
+          <a:p>
+            <a:r>
+              <a:rPr lang="en-US" dirty="0"/>
+              <a:t>We can get information out of the GSCV after training by grabbing its attributes. </a:t>
             </a:r>
           </a:p>
         </p:txBody>
@@ -3827,7 +3908,7 @@
     </p:spTree>
     <p:extLst>
       <p:ext uri="{BB962C8B-B14F-4D97-AF65-F5344CB8AC3E}">
-        <p14:creationId xmlns:p14="http://schemas.microsoft.com/office/powerpoint/2010/main" val="2837521661"/>
+        <p14:creationId xmlns:p14="http://schemas.microsoft.com/office/powerpoint/2010/main" val="1466301867"/>
       </p:ext>
     </p:extLst>
   </p:cSld>
@@ -3838,7 +3919,7 @@
 </file>
 
 <file path=ppt/slides/slide11.xml><?xml version="1.0" encoding="utf-8"?>
-<p:sld xmlns:a="http://schemas.openxmlformats.org/drawingml/2006/main" xmlns:r="http://schemas.openxmlformats.org/officeDocument/2006/relationships" xmlns:p="http://schemas.openxmlformats.org/presentationml/2006/main" show="0">
+<p:sld xmlns:a="http://schemas.openxmlformats.org/drawingml/2006/main" xmlns:r="http://schemas.openxmlformats.org/officeDocument/2006/relationships" xmlns:p="http://schemas.openxmlformats.org/presentationml/2006/main">
   <p:cSld>
     <p:spTree>
       <p:nvGrpSpPr>
@@ -3859,7 +3940,7 @@
           <p:cNvPr id="2" name="Title 1">
             <a:extLst>
               <a:ext uri="{FF2B5EF4-FFF2-40B4-BE49-F238E27FC236}">
-                <a16:creationId xmlns:a16="http://schemas.microsoft.com/office/drawing/2014/main" id="{06808F73-ECBC-A742-A24C-FC86683D7927}"/>
+                <a16:creationId xmlns:a16="http://schemas.microsoft.com/office/drawing/2014/main" id="{E77148F2-81D0-8245-B30B-AACA1A4507AF}"/>
               </a:ext>
             </a:extLst>
           </p:cNvPr>
@@ -3875,10 +3956,7 @@
           <a:bodyPr/>
           <a:lstStyle/>
           <a:p>
-            <a:r>
-              <a:rPr lang="en-US" dirty="0"/>
-              <a:t>Train-Test Split</a:t>
-            </a:r>
+            <a:endParaRPr lang="en-US"/>
           </a:p>
         </p:txBody>
       </p:sp>
@@ -3887,7 +3965,7 @@
           <p:cNvPr id="3" name="Content Placeholder 2">
             <a:extLst>
               <a:ext uri="{FF2B5EF4-FFF2-40B4-BE49-F238E27FC236}">
-                <a16:creationId xmlns:a16="http://schemas.microsoft.com/office/drawing/2014/main" id="{EF86B73C-2EF1-8D40-9C71-E086225228AB}"/>
+                <a16:creationId xmlns:a16="http://schemas.microsoft.com/office/drawing/2014/main" id="{32DEFB1E-D96B-9841-8081-947CC14EA912}"/>
               </a:ext>
             </a:extLst>
           </p:cNvPr>
@@ -3903,50 +3981,61 @@
           <a:bodyPr/>
           <a:lstStyle/>
           <a:p>
-            <a:r>
-              <a:rPr lang="en-US" dirty="0"/>
-              <a:t>We are used to splitting data when building models:</a:t>
-            </a:r>
-          </a:p>
-          <a:p>
-            <a:pPr lvl="1"/>
-            <a:r>
-              <a:rPr lang="en-US" dirty="0"/>
-              <a:t>Training data (~70%) used to create the predictive model. </a:t>
-            </a:r>
-          </a:p>
-          <a:p>
-            <a:pPr lvl="1"/>
-            <a:r>
-              <a:rPr lang="en-US" dirty="0"/>
-              <a:t>Testing data (~30%) used to evaluate the accuracy of the model. </a:t>
-            </a:r>
-          </a:p>
-          <a:p>
-            <a:r>
-              <a:rPr lang="en-US" dirty="0"/>
-              <a:t>This split allows us to accurately assess the accuracy on “new” data. </a:t>
-            </a:r>
-          </a:p>
-          <a:p>
-            <a:r>
-              <a:rPr lang="en-US" dirty="0"/>
-              <a:t>Problem – random splits in the data can lead to variance in results:</a:t>
-            </a:r>
-          </a:p>
-          <a:p>
-            <a:pPr lvl="1"/>
-            <a:r>
-              <a:rPr lang="en-US" dirty="0"/>
-              <a:t>Think of drastically different trees we get when data is split differently.</a:t>
-            </a:r>
-          </a:p>
-        </p:txBody>
-      </p:sp>
+            <a:endParaRPr lang="en-US"/>
+          </a:p>
+        </p:txBody>
+      </p:sp>
+      <p:pic>
+        <p:nvPicPr>
+          <p:cNvPr id="1026" name="Picture 2" descr="Hyperparameter tuning using Grid Search and Random Search: A Conceptual  Guide | by Jack Stalfort | Medium">
+            <a:extLst>
+              <a:ext uri="{FF2B5EF4-FFF2-40B4-BE49-F238E27FC236}">
+                <a16:creationId xmlns:a16="http://schemas.microsoft.com/office/drawing/2014/main" id="{4B079130-CD8E-1749-8C90-2A8B5BA19367}"/>
+              </a:ext>
+            </a:extLst>
+          </p:cNvPr>
+          <p:cNvPicPr>
+            <a:picLocks noChangeAspect="1" noChangeArrowheads="1"/>
+          </p:cNvPicPr>
+          <p:nvPr/>
+        </p:nvPicPr>
+        <p:blipFill>
+          <a:blip r:embed="rId2">
+            <a:extLst>
+              <a:ext uri="{28A0092B-C50C-407E-A947-70E740481C1C}">
+                <a14:useLocalDpi xmlns:a14="http://schemas.microsoft.com/office/drawing/2010/main" val="0"/>
+              </a:ext>
+            </a:extLst>
+          </a:blip>
+          <a:srcRect/>
+          <a:stretch>
+            <a:fillRect/>
+          </a:stretch>
+        </p:blipFill>
+        <p:spPr bwMode="auto">
+          <a:xfrm>
+            <a:off x="0" y="390525"/>
+            <a:ext cx="12192000" cy="6076950"/>
+          </a:xfrm>
+          <a:prstGeom prst="rect">
+            <a:avLst/>
+          </a:prstGeom>
+          <a:noFill/>
+          <a:extLst>
+            <a:ext uri="{909E8E84-426E-40DD-AFC4-6F175D3DCCD1}">
+              <a14:hiddenFill xmlns:a14="http://schemas.microsoft.com/office/drawing/2010/main">
+                <a:solidFill>
+                  <a:srgbClr val="FFFFFF"/>
+                </a:solidFill>
+              </a14:hiddenFill>
+            </a:ext>
+          </a:extLst>
+        </p:spPr>
+      </p:pic>
     </p:spTree>
     <p:extLst>
       <p:ext uri="{BB962C8B-B14F-4D97-AF65-F5344CB8AC3E}">
-        <p14:creationId xmlns:p14="http://schemas.microsoft.com/office/powerpoint/2010/main" val="1689547718"/>
+        <p14:creationId xmlns:p14="http://schemas.microsoft.com/office/powerpoint/2010/main" val="371790968"/>
       </p:ext>
     </p:extLst>
   </p:cSld>
@@ -3978,6 +4067,441 @@
           <p:cNvPr id="2" name="Title 1">
             <a:extLst>
               <a:ext uri="{FF2B5EF4-FFF2-40B4-BE49-F238E27FC236}">
+                <a16:creationId xmlns:a16="http://schemas.microsoft.com/office/drawing/2014/main" id="{1CBD81C9-241D-CD8C-8ED2-83B4ADCACB98}"/>
+              </a:ext>
+            </a:extLst>
+          </p:cNvPr>
+          <p:cNvSpPr>
+            <a:spLocks noGrp="1"/>
+          </p:cNvSpPr>
+          <p:nvPr>
+            <p:ph type="title"/>
+          </p:nvPr>
+        </p:nvSpPr>
+        <p:spPr/>
+        <p:txBody>
+          <a:bodyPr/>
+          <a:lstStyle/>
+          <a:p>
+            <a:r>
+              <a:rPr lang="en-US" dirty="0"/>
+              <a:t>Grids and Pipes</a:t>
+            </a:r>
+          </a:p>
+        </p:txBody>
+      </p:sp>
+      <p:sp>
+        <p:nvSpPr>
+          <p:cNvPr id="3" name="Content Placeholder 2">
+            <a:extLst>
+              <a:ext uri="{FF2B5EF4-FFF2-40B4-BE49-F238E27FC236}">
+                <a16:creationId xmlns:a16="http://schemas.microsoft.com/office/drawing/2014/main" id="{77E34CAC-A722-6F8F-37B1-7FE90B9B92B2}"/>
+              </a:ext>
+            </a:extLst>
+          </p:cNvPr>
+          <p:cNvSpPr>
+            <a:spLocks noGrp="1"/>
+          </p:cNvSpPr>
+          <p:nvPr>
+            <p:ph idx="1"/>
+          </p:nvPr>
+        </p:nvSpPr>
+        <p:spPr>
+          <a:xfrm>
+            <a:off x="0" y="1853754"/>
+            <a:ext cx="4992688" cy="4199727"/>
+          </a:xfrm>
+        </p:spPr>
+        <p:txBody>
+          <a:bodyPr/>
+          <a:lstStyle/>
+          <a:p>
+            <a:r>
+              <a:rPr lang="en-US" dirty="0"/>
+              <a:t>This example is a (too) complex one. </a:t>
+            </a:r>
+          </a:p>
+          <a:p>
+            <a:r>
+              <a:rPr lang="en-US" dirty="0"/>
+              <a:t>Important:</a:t>
+            </a:r>
+          </a:p>
+          <a:p>
+            <a:pPr lvl="1"/>
+            <a:r>
+              <a:rPr lang="en-US" dirty="0"/>
+              <a:t>We can refer to items by name. </a:t>
+            </a:r>
+          </a:p>
+          <a:p>
+            <a:pPr lvl="1"/>
+            <a:r>
+              <a:rPr lang="en-US" dirty="0"/>
+              <a:t>Each ‘layer’ is separated by a double underscore. </a:t>
+            </a:r>
+          </a:p>
+          <a:p>
+            <a:pPr lvl="1"/>
+            <a:r>
+              <a:rPr lang="en-US" dirty="0"/>
+              <a:t>We can access any hyperparameter this way. </a:t>
+            </a:r>
+          </a:p>
+          <a:p>
+            <a:pPr lvl="1"/>
+            <a:r>
+              <a:rPr lang="en-US" dirty="0"/>
+              <a:t>This can be any # of layers deep, each layer just adds a double underscore. </a:t>
+            </a:r>
+          </a:p>
+          <a:p>
+            <a:r>
+              <a:rPr lang="en-US" dirty="0"/>
+              <a:t>We can also tell the grid search to use different error metrics – f1, recall, </a:t>
+            </a:r>
+            <a:r>
+              <a:rPr lang="en-US" dirty="0" err="1"/>
+              <a:t>etc</a:t>
+            </a:r>
+            <a:r>
+              <a:rPr lang="en-US" dirty="0"/>
+              <a:t>…</a:t>
+            </a:r>
+          </a:p>
+        </p:txBody>
+      </p:sp>
+      <p:pic>
+        <p:nvPicPr>
+          <p:cNvPr id="3074" name="Picture 2" descr="Kevin Markham on X: &quot;🤖⚡ scikit-learn tip #49: You can tune 2+ models using  the same grid search! Here's how: 1. Create multiple parameter dictionaries  2. Specify the model within each dictionary">
+            <a:extLst>
+              <a:ext uri="{FF2B5EF4-FFF2-40B4-BE49-F238E27FC236}">
+                <a16:creationId xmlns:a16="http://schemas.microsoft.com/office/drawing/2014/main" id="{92671C52-E636-2FE2-E601-4DE723EF1509}"/>
+              </a:ext>
+            </a:extLst>
+          </p:cNvPr>
+          <p:cNvPicPr>
+            <a:picLocks noChangeAspect="1" noChangeArrowheads="1"/>
+          </p:cNvPicPr>
+          <p:nvPr/>
+        </p:nvPicPr>
+        <p:blipFill>
+          <a:blip r:embed="rId2">
+            <a:extLst>
+              <a:ext uri="{28A0092B-C50C-407E-A947-70E740481C1C}">
+                <a14:useLocalDpi xmlns:a14="http://schemas.microsoft.com/office/drawing/2010/main" val="0"/>
+              </a:ext>
+            </a:extLst>
+          </a:blip>
+          <a:srcRect/>
+          <a:stretch>
+            <a:fillRect/>
+          </a:stretch>
+        </p:blipFill>
+        <p:spPr bwMode="auto">
+          <a:xfrm>
+            <a:off x="4992687" y="0"/>
+            <a:ext cx="7199313" cy="6858000"/>
+          </a:xfrm>
+          <a:prstGeom prst="rect">
+            <a:avLst/>
+          </a:prstGeom>
+          <a:noFill/>
+          <a:extLst>
+            <a:ext uri="{909E8E84-426E-40DD-AFC4-6F175D3DCCD1}">
+              <a14:hiddenFill xmlns:a14="http://schemas.microsoft.com/office/drawing/2010/main">
+                <a:solidFill>
+                  <a:srgbClr val="FFFFFF"/>
+                </a:solidFill>
+              </a14:hiddenFill>
+            </a:ext>
+          </a:extLst>
+        </p:spPr>
+      </p:pic>
+    </p:spTree>
+    <p:extLst>
+      <p:ext uri="{BB962C8B-B14F-4D97-AF65-F5344CB8AC3E}">
+        <p14:creationId xmlns:p14="http://schemas.microsoft.com/office/powerpoint/2010/main" val="1559322198"/>
+      </p:ext>
+    </p:extLst>
+  </p:cSld>
+  <p:clrMapOvr>
+    <a:masterClrMapping/>
+  </p:clrMapOvr>
+</p:sld>
+</file>
+
+<file path=ppt/slides/slide13.xml><?xml version="1.0" encoding="utf-8"?>
+<p:sld xmlns:a="http://schemas.openxmlformats.org/drawingml/2006/main" xmlns:r="http://schemas.openxmlformats.org/officeDocument/2006/relationships" xmlns:p="http://schemas.openxmlformats.org/presentationml/2006/main">
+  <p:cSld>
+    <p:spTree>
+      <p:nvGrpSpPr>
+        <p:cNvPr id="1" name=""/>
+        <p:cNvGrpSpPr/>
+        <p:nvPr/>
+      </p:nvGrpSpPr>
+      <p:grpSpPr>
+        <a:xfrm>
+          <a:off x="0" y="0"/>
+          <a:ext cx="0" cy="0"/>
+          <a:chOff x="0" y="0"/>
+          <a:chExt cx="0" cy="0"/>
+        </a:xfrm>
+      </p:grpSpPr>
+      <p:sp>
+        <p:nvSpPr>
+          <p:cNvPr id="2" name="Title 1">
+            <a:extLst>
+              <a:ext uri="{FF2B5EF4-FFF2-40B4-BE49-F238E27FC236}">
+                <a16:creationId xmlns:a16="http://schemas.microsoft.com/office/drawing/2014/main" id="{CA9391E5-89BA-6CBC-A0C9-2A14B27FE011}"/>
+              </a:ext>
+            </a:extLst>
+          </p:cNvPr>
+          <p:cNvSpPr>
+            <a:spLocks noGrp="1"/>
+          </p:cNvSpPr>
+          <p:nvPr>
+            <p:ph type="title"/>
+          </p:nvPr>
+        </p:nvSpPr>
+        <p:spPr/>
+        <p:txBody>
+          <a:bodyPr/>
+          <a:lstStyle/>
+          <a:p>
+            <a:r>
+              <a:rPr lang="en-US" dirty="0"/>
+              <a:t>Running Tests</a:t>
+            </a:r>
+          </a:p>
+        </p:txBody>
+      </p:sp>
+      <p:sp>
+        <p:nvSpPr>
+          <p:cNvPr id="3" name="Content Placeholder 2">
+            <a:extLst>
+              <a:ext uri="{FF2B5EF4-FFF2-40B4-BE49-F238E27FC236}">
+                <a16:creationId xmlns:a16="http://schemas.microsoft.com/office/drawing/2014/main" id="{7D7467D2-1339-37DD-46C5-5F3ECA3FBBD4}"/>
+              </a:ext>
+            </a:extLst>
+          </p:cNvPr>
+          <p:cNvSpPr>
+            <a:spLocks noGrp="1"/>
+          </p:cNvSpPr>
+          <p:nvPr>
+            <p:ph idx="1"/>
+          </p:nvPr>
+        </p:nvSpPr>
+        <p:spPr>
+          <a:xfrm>
+            <a:off x="1451579" y="2015732"/>
+            <a:ext cx="9603275" cy="3967625"/>
+          </a:xfrm>
+        </p:spPr>
+        <p:txBody>
+          <a:bodyPr/>
+          <a:lstStyle/>
+          <a:p>
+            <a:r>
+              <a:rPr lang="en-US" dirty="0"/>
+              <a:t>The grid search will run many trials, and calculate the error for each. </a:t>
+            </a:r>
+          </a:p>
+          <a:p>
+            <a:r>
+              <a:rPr lang="en-US" dirty="0"/>
+              <a:t>We are used to splitting data when building models:</a:t>
+            </a:r>
+          </a:p>
+          <a:p>
+            <a:pPr lvl="1"/>
+            <a:r>
+              <a:rPr lang="en-US" dirty="0"/>
+              <a:t>Training data (~70%) used to create the predictive model. </a:t>
+            </a:r>
+          </a:p>
+          <a:p>
+            <a:pPr lvl="1"/>
+            <a:r>
+              <a:rPr lang="en-US" dirty="0"/>
+              <a:t>Testing data (~30%) used to evaluate the accuracy of the model. </a:t>
+            </a:r>
+          </a:p>
+          <a:p>
+            <a:r>
+              <a:rPr lang="en-US" dirty="0"/>
+              <a:t>This split allows us to accurately assess the accuracy on “new” data, and compare models.  </a:t>
+            </a:r>
+          </a:p>
+          <a:p>
+            <a:r>
+              <a:rPr lang="en-US" dirty="0"/>
+              <a:t>What if a split disproportionately benefits or hurts one specific HP combo? </a:t>
+            </a:r>
+          </a:p>
+          <a:p>
+            <a:pPr lvl="1"/>
+            <a:r>
+              <a:rPr lang="en-US" dirty="0"/>
+              <a:t>A small difference in results may foist a non-optimal model on us. </a:t>
+            </a:r>
+          </a:p>
+        </p:txBody>
+      </p:sp>
+    </p:spTree>
+    <p:extLst>
+      <p:ext uri="{BB962C8B-B14F-4D97-AF65-F5344CB8AC3E}">
+        <p14:creationId xmlns:p14="http://schemas.microsoft.com/office/powerpoint/2010/main" val="2837521661"/>
+      </p:ext>
+    </p:extLst>
+  </p:cSld>
+  <p:clrMapOvr>
+    <a:masterClrMapping/>
+  </p:clrMapOvr>
+</p:sld>
+</file>
+
+<file path=ppt/slides/slide14.xml><?xml version="1.0" encoding="utf-8"?>
+<p:sld xmlns:a="http://schemas.openxmlformats.org/drawingml/2006/main" xmlns:r="http://schemas.openxmlformats.org/officeDocument/2006/relationships" xmlns:p="http://schemas.openxmlformats.org/presentationml/2006/main" show="0">
+  <p:cSld>
+    <p:spTree>
+      <p:nvGrpSpPr>
+        <p:cNvPr id="1" name=""/>
+        <p:cNvGrpSpPr/>
+        <p:nvPr/>
+      </p:nvGrpSpPr>
+      <p:grpSpPr>
+        <a:xfrm>
+          <a:off x="0" y="0"/>
+          <a:ext cx="0" cy="0"/>
+          <a:chOff x="0" y="0"/>
+          <a:chExt cx="0" cy="0"/>
+        </a:xfrm>
+      </p:grpSpPr>
+      <p:sp>
+        <p:nvSpPr>
+          <p:cNvPr id="2" name="Title 1">
+            <a:extLst>
+              <a:ext uri="{FF2B5EF4-FFF2-40B4-BE49-F238E27FC236}">
+                <a16:creationId xmlns:a16="http://schemas.microsoft.com/office/drawing/2014/main" id="{06808F73-ECBC-A742-A24C-FC86683D7927}"/>
+              </a:ext>
+            </a:extLst>
+          </p:cNvPr>
+          <p:cNvSpPr>
+            <a:spLocks noGrp="1"/>
+          </p:cNvSpPr>
+          <p:nvPr>
+            <p:ph type="title"/>
+          </p:nvPr>
+        </p:nvSpPr>
+        <p:spPr/>
+        <p:txBody>
+          <a:bodyPr/>
+          <a:lstStyle/>
+          <a:p>
+            <a:r>
+              <a:rPr lang="en-US" dirty="0"/>
+              <a:t>Train-Test Split</a:t>
+            </a:r>
+          </a:p>
+        </p:txBody>
+      </p:sp>
+      <p:sp>
+        <p:nvSpPr>
+          <p:cNvPr id="3" name="Content Placeholder 2">
+            <a:extLst>
+              <a:ext uri="{FF2B5EF4-FFF2-40B4-BE49-F238E27FC236}">
+                <a16:creationId xmlns:a16="http://schemas.microsoft.com/office/drawing/2014/main" id="{EF86B73C-2EF1-8D40-9C71-E086225228AB}"/>
+              </a:ext>
+            </a:extLst>
+          </p:cNvPr>
+          <p:cNvSpPr>
+            <a:spLocks noGrp="1"/>
+          </p:cNvSpPr>
+          <p:nvPr>
+            <p:ph idx="1"/>
+          </p:nvPr>
+        </p:nvSpPr>
+        <p:spPr/>
+        <p:txBody>
+          <a:bodyPr/>
+          <a:lstStyle/>
+          <a:p>
+            <a:r>
+              <a:rPr lang="en-US" dirty="0"/>
+              <a:t>We are used to splitting data when building models:</a:t>
+            </a:r>
+          </a:p>
+          <a:p>
+            <a:pPr lvl="1"/>
+            <a:r>
+              <a:rPr lang="en-US" dirty="0"/>
+              <a:t>Training data (~70%) used to create the predictive model. </a:t>
+            </a:r>
+          </a:p>
+          <a:p>
+            <a:pPr lvl="1"/>
+            <a:r>
+              <a:rPr lang="en-US" dirty="0"/>
+              <a:t>Testing data (~30%) used to evaluate the accuracy of the model. </a:t>
+            </a:r>
+          </a:p>
+          <a:p>
+            <a:r>
+              <a:rPr lang="en-US" dirty="0"/>
+              <a:t>This split allows us to accurately assess the accuracy on “new” data. </a:t>
+            </a:r>
+          </a:p>
+          <a:p>
+            <a:r>
+              <a:rPr lang="en-US" dirty="0"/>
+              <a:t>Problem – random splits in the data can lead to variance in results:</a:t>
+            </a:r>
+          </a:p>
+          <a:p>
+            <a:pPr lvl="1"/>
+            <a:r>
+              <a:rPr lang="en-US" dirty="0"/>
+              <a:t>Think of drastically different trees we get when data is split differently.</a:t>
+            </a:r>
+          </a:p>
+        </p:txBody>
+      </p:sp>
+    </p:spTree>
+    <p:extLst>
+      <p:ext uri="{BB962C8B-B14F-4D97-AF65-F5344CB8AC3E}">
+        <p14:creationId xmlns:p14="http://schemas.microsoft.com/office/powerpoint/2010/main" val="1689547718"/>
+      </p:ext>
+    </p:extLst>
+  </p:cSld>
+  <p:clrMapOvr>
+    <a:masterClrMapping/>
+  </p:clrMapOvr>
+</p:sld>
+</file>
+
+<file path=ppt/slides/slide15.xml><?xml version="1.0" encoding="utf-8"?>
+<p:sld xmlns:a="http://schemas.openxmlformats.org/drawingml/2006/main" xmlns:r="http://schemas.openxmlformats.org/officeDocument/2006/relationships" xmlns:p="http://schemas.openxmlformats.org/presentationml/2006/main">
+  <p:cSld>
+    <p:spTree>
+      <p:nvGrpSpPr>
+        <p:cNvPr id="1" name=""/>
+        <p:cNvGrpSpPr/>
+        <p:nvPr/>
+      </p:nvGrpSpPr>
+      <p:grpSpPr>
+        <a:xfrm>
+          <a:off x="0" y="0"/>
+          <a:ext cx="0" cy="0"/>
+          <a:chOff x="0" y="0"/>
+          <a:chExt cx="0" cy="0"/>
+        </a:xfrm>
+      </p:grpSpPr>
+      <p:sp>
+        <p:nvSpPr>
+          <p:cNvPr id="2" name="Title 1">
+            <a:extLst>
+              <a:ext uri="{FF2B5EF4-FFF2-40B4-BE49-F238E27FC236}">
                 <a16:creationId xmlns:a16="http://schemas.microsoft.com/office/drawing/2014/main" id="{4FB2BC97-342B-364B-A65F-4714E9B96CC8}"/>
               </a:ext>
             </a:extLst>
@@ -4100,7 +4624,7 @@
 </p:sld>
 </file>
 
-<file path=ppt/slides/slide13.xml><?xml version="1.0" encoding="utf-8"?>
+<file path=ppt/slides/slide16.xml><?xml version="1.0" encoding="utf-8"?>
 <p:sld xmlns:a="http://schemas.openxmlformats.org/drawingml/2006/main" xmlns:r="http://schemas.openxmlformats.org/officeDocument/2006/relationships" xmlns:p="http://schemas.openxmlformats.org/presentationml/2006/main">
   <p:cSld>
     <p:spTree>
@@ -4227,7 +4751,7 @@
 </p:sld>
 </file>
 
-<file path=ppt/slides/slide14.xml><?xml version="1.0" encoding="utf-8"?>
+<file path=ppt/slides/slide17.xml><?xml version="1.0" encoding="utf-8"?>
 <p:sld xmlns:a="http://schemas.openxmlformats.org/drawingml/2006/main" xmlns:r="http://schemas.openxmlformats.org/officeDocument/2006/relationships" xmlns:p="http://schemas.openxmlformats.org/presentationml/2006/main">
   <p:cSld>
     <p:spTree>
@@ -4354,7 +4878,7 @@
 </p:sld>
 </file>
 
-<file path=ppt/slides/slide15.xml><?xml version="1.0" encoding="utf-8"?>
+<file path=ppt/slides/slide18.xml><?xml version="1.0" encoding="utf-8"?>
 <p:sld xmlns:a="http://schemas.openxmlformats.org/drawingml/2006/main" xmlns:r="http://schemas.openxmlformats.org/officeDocument/2006/relationships" xmlns:p="http://schemas.openxmlformats.org/presentationml/2006/main">
   <p:cSld>
     <p:spTree>
@@ -4451,7 +4975,7 @@
 </p:sld>
 </file>
 
-<file path=ppt/slides/slide16.xml><?xml version="1.0" encoding="utf-8"?>
+<file path=ppt/slides/slide19.xml><?xml version="1.0" encoding="utf-8"?>
 <p:sld xmlns:a="http://schemas.openxmlformats.org/drawingml/2006/main" xmlns:r="http://schemas.openxmlformats.org/officeDocument/2006/relationships" xmlns:p="http://schemas.openxmlformats.org/presentationml/2006/main">
   <p:cSld>
     <p:spTree>
@@ -4590,131 +5114,6 @@
     <p:extLst>
       <p:ext uri="{BB962C8B-B14F-4D97-AF65-F5344CB8AC3E}">
         <p14:creationId xmlns:p14="http://schemas.microsoft.com/office/powerpoint/2010/main" val="3385832145"/>
-      </p:ext>
-    </p:extLst>
-  </p:cSld>
-  <p:clrMapOvr>
-    <a:masterClrMapping/>
-  </p:clrMapOvr>
-</p:sld>
-</file>
-
-<file path=ppt/slides/slide17.xml><?xml version="1.0" encoding="utf-8"?>
-<p:sld xmlns:a="http://schemas.openxmlformats.org/drawingml/2006/main" xmlns:r="http://schemas.openxmlformats.org/officeDocument/2006/relationships" xmlns:p="http://schemas.openxmlformats.org/presentationml/2006/main">
-  <p:cSld>
-    <p:spTree>
-      <p:nvGrpSpPr>
-        <p:cNvPr id="1" name=""/>
-        <p:cNvGrpSpPr/>
-        <p:nvPr/>
-      </p:nvGrpSpPr>
-      <p:grpSpPr>
-        <a:xfrm>
-          <a:off x="0" y="0"/>
-          <a:ext cx="0" cy="0"/>
-          <a:chOff x="0" y="0"/>
-          <a:chExt cx="0" cy="0"/>
-        </a:xfrm>
-      </p:grpSpPr>
-      <p:sp>
-        <p:nvSpPr>
-          <p:cNvPr id="2" name="Title 1">
-            <a:extLst>
-              <a:ext uri="{FF2B5EF4-FFF2-40B4-BE49-F238E27FC236}">
-                <a16:creationId xmlns:a16="http://schemas.microsoft.com/office/drawing/2014/main" id="{BA3F862E-EDA2-60A3-9315-F775951A950B}"/>
-              </a:ext>
-            </a:extLst>
-          </p:cNvPr>
-          <p:cNvSpPr>
-            <a:spLocks noGrp="1"/>
-          </p:cNvSpPr>
-          <p:nvPr>
-            <p:ph type="title"/>
-          </p:nvPr>
-        </p:nvSpPr>
-        <p:spPr/>
-        <p:txBody>
-          <a:bodyPr/>
-          <a:lstStyle/>
-          <a:p>
-            <a:r>
-              <a:rPr lang="en-US" dirty="0"/>
-              <a:t>Conclusion</a:t>
-            </a:r>
-          </a:p>
-        </p:txBody>
-      </p:sp>
-      <p:sp>
-        <p:nvSpPr>
-          <p:cNvPr id="3" name="Content Placeholder 2">
-            <a:extLst>
-              <a:ext uri="{FF2B5EF4-FFF2-40B4-BE49-F238E27FC236}">
-                <a16:creationId xmlns:a16="http://schemas.microsoft.com/office/drawing/2014/main" id="{988AF8CE-8905-2907-F283-92286C6F2579}"/>
-              </a:ext>
-            </a:extLst>
-          </p:cNvPr>
-          <p:cNvSpPr>
-            <a:spLocks noGrp="1"/>
-          </p:cNvSpPr>
-          <p:nvPr>
-            <p:ph idx="1"/>
-          </p:nvPr>
-        </p:nvSpPr>
-        <p:spPr>
-          <a:xfrm>
-            <a:off x="1451579" y="1938130"/>
-            <a:ext cx="9603275" cy="4045227"/>
-          </a:xfrm>
-        </p:spPr>
-        <p:txBody>
-          <a:bodyPr/>
-          <a:lstStyle/>
-          <a:p>
-            <a:r>
-              <a:rPr lang="en-US" dirty="0"/>
-              <a:t>We use grid searching all the time when we need to select hyperparameters. </a:t>
-            </a:r>
-          </a:p>
-          <a:p>
-            <a:pPr lvl="1"/>
-            <a:r>
-              <a:rPr lang="en-US" dirty="0"/>
-              <a:t>If we care about performance, this is kind of an assumed step. </a:t>
-            </a:r>
-          </a:p>
-          <a:p>
-            <a:r>
-              <a:rPr lang="en-US" dirty="0"/>
-              <a:t>Guessing and checking is a major way to create accurate models:</a:t>
-            </a:r>
-          </a:p>
-          <a:p>
-            <a:pPr lvl="1"/>
-            <a:r>
-              <a:rPr lang="en-US" dirty="0"/>
-              <a:t>Grid searching, or its alternatives, allows us to find HP combinations automatically. </a:t>
-            </a:r>
-          </a:p>
-          <a:p>
-            <a:pPr lvl="1"/>
-            <a:r>
-              <a:rPr lang="en-US" dirty="0"/>
-              <a:t>Cross validation helps us get reliable scores, combating random variation. </a:t>
-            </a:r>
-          </a:p>
-          <a:p>
-            <a:pPr lvl="1"/>
-            <a:r>
-              <a:rPr lang="en-US" dirty="0"/>
-              <a:t>Other technologies like neural networks have similar tools available. </a:t>
-            </a:r>
-          </a:p>
-        </p:txBody>
-      </p:sp>
-    </p:spTree>
-    <p:extLst>
-      <p:ext uri="{BB962C8B-B14F-4D97-AF65-F5344CB8AC3E}">
-        <p14:creationId xmlns:p14="http://schemas.microsoft.com/office/powerpoint/2010/main" val="1202186856"/>
       </p:ext>
     </p:extLst>
   </p:cSld>
@@ -4746,6 +5145,488 @@
           <p:cNvPr id="2" name="Title 1">
             <a:extLst>
               <a:ext uri="{FF2B5EF4-FFF2-40B4-BE49-F238E27FC236}">
+                <a16:creationId xmlns:a16="http://schemas.microsoft.com/office/drawing/2014/main" id="{A38FEF34-9FA4-884D-9E8D-C13B94F38403}"/>
+              </a:ext>
+            </a:extLst>
+          </p:cNvPr>
+          <p:cNvSpPr>
+            <a:spLocks noGrp="1"/>
+          </p:cNvSpPr>
+          <p:nvPr>
+            <p:ph type="ctrTitle"/>
+          </p:nvPr>
+        </p:nvSpPr>
+        <p:spPr/>
+        <p:txBody>
+          <a:bodyPr/>
+          <a:lstStyle/>
+          <a:p>
+            <a:r>
+              <a:rPr lang="en-US" dirty="0"/>
+              <a:t>Grids and Hyperparameters</a:t>
+            </a:r>
+          </a:p>
+        </p:txBody>
+      </p:sp>
+      <p:sp>
+        <p:nvSpPr>
+          <p:cNvPr id="3" name="Subtitle 2">
+            <a:extLst>
+              <a:ext uri="{FF2B5EF4-FFF2-40B4-BE49-F238E27FC236}">
+                <a16:creationId xmlns:a16="http://schemas.microsoft.com/office/drawing/2014/main" id="{E5A9FF99-AD19-DE49-A6EA-36CB10813D32}"/>
+              </a:ext>
+            </a:extLst>
+          </p:cNvPr>
+          <p:cNvSpPr>
+            <a:spLocks noGrp="1"/>
+          </p:cNvSpPr>
+          <p:nvPr>
+            <p:ph type="subTitle" idx="1"/>
+          </p:nvPr>
+        </p:nvSpPr>
+        <p:spPr/>
+        <p:txBody>
+          <a:bodyPr/>
+          <a:lstStyle/>
+          <a:p>
+            <a:endParaRPr lang="en-US"/>
+          </a:p>
+        </p:txBody>
+      </p:sp>
+    </p:spTree>
+    <p:extLst>
+      <p:ext uri="{BB962C8B-B14F-4D97-AF65-F5344CB8AC3E}">
+        <p14:creationId xmlns:p14="http://schemas.microsoft.com/office/powerpoint/2010/main" val="2298952365"/>
+      </p:ext>
+    </p:extLst>
+  </p:cSld>
+  <p:clrMapOvr>
+    <a:masterClrMapping/>
+  </p:clrMapOvr>
+</p:sld>
+</file>
+
+<file path=ppt/slides/slide20.xml><?xml version="1.0" encoding="utf-8"?>
+<p:sld xmlns:a="http://schemas.openxmlformats.org/drawingml/2006/main" xmlns:r="http://schemas.openxmlformats.org/officeDocument/2006/relationships" xmlns:p="http://schemas.openxmlformats.org/presentationml/2006/main">
+  <p:cSld>
+    <p:spTree>
+      <p:nvGrpSpPr>
+        <p:cNvPr id="1" name=""/>
+        <p:cNvGrpSpPr/>
+        <p:nvPr/>
+      </p:nvGrpSpPr>
+      <p:grpSpPr>
+        <a:xfrm>
+          <a:off x="0" y="0"/>
+          <a:ext cx="0" cy="0"/>
+          <a:chOff x="0" y="0"/>
+          <a:chExt cx="0" cy="0"/>
+        </a:xfrm>
+      </p:grpSpPr>
+      <p:sp>
+        <p:nvSpPr>
+          <p:cNvPr id="2" name="Title 1">
+            <a:extLst>
+              <a:ext uri="{FF2B5EF4-FFF2-40B4-BE49-F238E27FC236}">
+                <a16:creationId xmlns:a16="http://schemas.microsoft.com/office/drawing/2014/main" id="{BA3F862E-EDA2-60A3-9315-F775951A950B}"/>
+              </a:ext>
+            </a:extLst>
+          </p:cNvPr>
+          <p:cNvSpPr>
+            <a:spLocks noGrp="1"/>
+          </p:cNvSpPr>
+          <p:nvPr>
+            <p:ph type="title"/>
+          </p:nvPr>
+        </p:nvSpPr>
+        <p:spPr/>
+        <p:txBody>
+          <a:bodyPr/>
+          <a:lstStyle/>
+          <a:p>
+            <a:r>
+              <a:rPr lang="en-US" dirty="0"/>
+              <a:t>Conclusion</a:t>
+            </a:r>
+          </a:p>
+        </p:txBody>
+      </p:sp>
+      <p:sp>
+        <p:nvSpPr>
+          <p:cNvPr id="3" name="Content Placeholder 2">
+            <a:extLst>
+              <a:ext uri="{FF2B5EF4-FFF2-40B4-BE49-F238E27FC236}">
+                <a16:creationId xmlns:a16="http://schemas.microsoft.com/office/drawing/2014/main" id="{988AF8CE-8905-2907-F283-92286C6F2579}"/>
+              </a:ext>
+            </a:extLst>
+          </p:cNvPr>
+          <p:cNvSpPr>
+            <a:spLocks noGrp="1"/>
+          </p:cNvSpPr>
+          <p:nvPr>
+            <p:ph idx="1"/>
+          </p:nvPr>
+        </p:nvSpPr>
+        <p:spPr>
+          <a:xfrm>
+            <a:off x="1451579" y="1938130"/>
+            <a:ext cx="9603275" cy="4045227"/>
+          </a:xfrm>
+        </p:spPr>
+        <p:txBody>
+          <a:bodyPr/>
+          <a:lstStyle/>
+          <a:p>
+            <a:r>
+              <a:rPr lang="en-US" dirty="0"/>
+              <a:t>We use grid searching all the time when we need to select hyperparameters. </a:t>
+            </a:r>
+          </a:p>
+          <a:p>
+            <a:pPr lvl="1"/>
+            <a:r>
+              <a:rPr lang="en-US" dirty="0"/>
+              <a:t>If we care about performance, this is kind of an assumed step. </a:t>
+            </a:r>
+          </a:p>
+          <a:p>
+            <a:r>
+              <a:rPr lang="en-US" dirty="0"/>
+              <a:t>Guessing and checking is a major way to create accurate models:</a:t>
+            </a:r>
+          </a:p>
+          <a:p>
+            <a:pPr lvl="1"/>
+            <a:r>
+              <a:rPr lang="en-US" dirty="0"/>
+              <a:t>Grid searching, or its alternatives, allows us to find HP combinations automatically. </a:t>
+            </a:r>
+          </a:p>
+          <a:p>
+            <a:pPr lvl="1"/>
+            <a:r>
+              <a:rPr lang="en-US" dirty="0"/>
+              <a:t>Cross validation helps us get reliable scores, combating random variation. </a:t>
+            </a:r>
+          </a:p>
+          <a:p>
+            <a:pPr lvl="1"/>
+            <a:r>
+              <a:rPr lang="en-US" dirty="0"/>
+              <a:t>Other technologies like neural networks have similar tools available. </a:t>
+            </a:r>
+          </a:p>
+        </p:txBody>
+      </p:sp>
+    </p:spTree>
+    <p:extLst>
+      <p:ext uri="{BB962C8B-B14F-4D97-AF65-F5344CB8AC3E}">
+        <p14:creationId xmlns:p14="http://schemas.microsoft.com/office/powerpoint/2010/main" val="1202186856"/>
+      </p:ext>
+    </p:extLst>
+  </p:cSld>
+  <p:clrMapOvr>
+    <a:masterClrMapping/>
+  </p:clrMapOvr>
+</p:sld>
+</file>
+
+<file path=ppt/slides/slide3.xml><?xml version="1.0" encoding="utf-8"?>
+<p:sld xmlns:a="http://schemas.openxmlformats.org/drawingml/2006/main" xmlns:r="http://schemas.openxmlformats.org/officeDocument/2006/relationships" xmlns:p="http://schemas.openxmlformats.org/presentationml/2006/main">
+  <p:cSld>
+    <p:spTree>
+      <p:nvGrpSpPr>
+        <p:cNvPr id="1" name=""/>
+        <p:cNvGrpSpPr/>
+        <p:nvPr/>
+      </p:nvGrpSpPr>
+      <p:grpSpPr>
+        <a:xfrm>
+          <a:off x="0" y="0"/>
+          <a:ext cx="0" cy="0"/>
+          <a:chOff x="0" y="0"/>
+          <a:chExt cx="0" cy="0"/>
+        </a:xfrm>
+      </p:grpSpPr>
+      <p:sp>
+        <p:nvSpPr>
+          <p:cNvPr id="2" name="Title 1">
+            <a:extLst>
+              <a:ext uri="{FF2B5EF4-FFF2-40B4-BE49-F238E27FC236}">
+                <a16:creationId xmlns:a16="http://schemas.microsoft.com/office/drawing/2014/main" id="{A8F6DC5C-F352-86D4-A891-DF83F51B1651}"/>
+              </a:ext>
+            </a:extLst>
+          </p:cNvPr>
+          <p:cNvSpPr>
+            <a:spLocks noGrp="1"/>
+          </p:cNvSpPr>
+          <p:nvPr>
+            <p:ph type="title"/>
+          </p:nvPr>
+        </p:nvSpPr>
+        <p:spPr/>
+        <p:txBody>
+          <a:bodyPr/>
+          <a:lstStyle/>
+          <a:p>
+            <a:r>
+              <a:rPr lang="en-US" dirty="0"/>
+              <a:t>Quick review – Logistic Regression</a:t>
+            </a:r>
+          </a:p>
+        </p:txBody>
+      </p:sp>
+      <p:sp>
+        <p:nvSpPr>
+          <p:cNvPr id="3" name="Content Placeholder 2">
+            <a:extLst>
+              <a:ext uri="{FF2B5EF4-FFF2-40B4-BE49-F238E27FC236}">
+                <a16:creationId xmlns:a16="http://schemas.microsoft.com/office/drawing/2014/main" id="{94D22B1C-0C4E-63E5-5D17-21E60A00DF45}"/>
+              </a:ext>
+            </a:extLst>
+          </p:cNvPr>
+          <p:cNvSpPr>
+            <a:spLocks noGrp="1"/>
+          </p:cNvSpPr>
+          <p:nvPr>
+            <p:ph idx="1"/>
+          </p:nvPr>
+        </p:nvSpPr>
+        <p:spPr>
+          <a:xfrm>
+            <a:off x="1451579" y="2015732"/>
+            <a:ext cx="9603275" cy="4037749"/>
+          </a:xfrm>
+        </p:spPr>
+        <p:txBody>
+          <a:bodyPr/>
+          <a:lstStyle/>
+          <a:p>
+            <a:r>
+              <a:rPr lang="en-US" dirty="0"/>
+              <a:t>Logistic regression is a classification model – predicts True/False. </a:t>
+            </a:r>
+          </a:p>
+          <a:p>
+            <a:pPr lvl="1"/>
+            <a:r>
+              <a:rPr lang="en-US" dirty="0"/>
+              <a:t>Internally based on a linear regression that predicts logit – log odds. </a:t>
+            </a:r>
+          </a:p>
+          <a:p>
+            <a:pPr lvl="1"/>
+            <a:r>
+              <a:rPr lang="en-US" dirty="0"/>
+              <a:t>Some math converts that logit into a “probability of True”.</a:t>
+            </a:r>
+          </a:p>
+          <a:p>
+            <a:pPr lvl="1"/>
+            <a:r>
+              <a:rPr lang="en-US" dirty="0"/>
+              <a:t>The closeness of that prediction feeds the cost, used to find weights in G+T grad. Desc.</a:t>
+            </a:r>
+          </a:p>
+          <a:p>
+            <a:r>
+              <a:rPr lang="en-US" dirty="0"/>
+              <a:t>We can get errors that are different, and may need error metrics that are different. </a:t>
+            </a:r>
+          </a:p>
+          <a:p>
+            <a:pPr lvl="1"/>
+            <a:r>
+              <a:rPr lang="en-US" dirty="0"/>
+              <a:t>False positives vs false negatives – both wrong, but opposite impacts on reality. </a:t>
+            </a:r>
+          </a:p>
+          <a:p>
+            <a:pPr lvl="1"/>
+            <a:r>
+              <a:rPr lang="en-US" dirty="0"/>
+              <a:t>Confusion matrix and assorted metrics (f1, </a:t>
+            </a:r>
+            <a:r>
+              <a:rPr lang="en-US" dirty="0" err="1"/>
+              <a:t>prec</a:t>
+            </a:r>
+            <a:r>
+              <a:rPr lang="en-US" dirty="0"/>
+              <a:t>, recall, </a:t>
+            </a:r>
+            <a:r>
+              <a:rPr lang="en-US" dirty="0" err="1"/>
+              <a:t>etc</a:t>
+            </a:r>
+            <a:r>
+              <a:rPr lang="en-US" dirty="0"/>
+              <a:t>…) may do better than accuracy.</a:t>
+            </a:r>
+          </a:p>
+        </p:txBody>
+      </p:sp>
+    </p:spTree>
+    <p:extLst>
+      <p:ext uri="{BB962C8B-B14F-4D97-AF65-F5344CB8AC3E}">
+        <p14:creationId xmlns:p14="http://schemas.microsoft.com/office/powerpoint/2010/main" val="573081950"/>
+      </p:ext>
+    </p:extLst>
+  </p:cSld>
+  <p:clrMapOvr>
+    <a:masterClrMapping/>
+  </p:clrMapOvr>
+</p:sld>
+</file>
+
+<file path=ppt/slides/slide4.xml><?xml version="1.0" encoding="utf-8"?>
+<p:sld xmlns:a="http://schemas.openxmlformats.org/drawingml/2006/main" xmlns:r="http://schemas.openxmlformats.org/officeDocument/2006/relationships" xmlns:p="http://schemas.openxmlformats.org/presentationml/2006/main">
+  <p:cSld>
+    <p:spTree>
+      <p:nvGrpSpPr>
+        <p:cNvPr id="1" name=""/>
+        <p:cNvGrpSpPr/>
+        <p:nvPr/>
+      </p:nvGrpSpPr>
+      <p:grpSpPr>
+        <a:xfrm>
+          <a:off x="0" y="0"/>
+          <a:ext cx="0" cy="0"/>
+          <a:chOff x="0" y="0"/>
+          <a:chExt cx="0" cy="0"/>
+        </a:xfrm>
+      </p:grpSpPr>
+      <p:sp>
+        <p:nvSpPr>
+          <p:cNvPr id="2" name="Title 1">
+            <a:extLst>
+              <a:ext uri="{FF2B5EF4-FFF2-40B4-BE49-F238E27FC236}">
+                <a16:creationId xmlns:a16="http://schemas.microsoft.com/office/drawing/2014/main" id="{02900862-DAEC-E91C-FD5F-FDF8C2397545}"/>
+              </a:ext>
+            </a:extLst>
+          </p:cNvPr>
+          <p:cNvSpPr>
+            <a:spLocks noGrp="1"/>
+          </p:cNvSpPr>
+          <p:nvPr>
+            <p:ph type="title"/>
+          </p:nvPr>
+        </p:nvSpPr>
+        <p:spPr/>
+        <p:txBody>
+          <a:bodyPr/>
+          <a:lstStyle/>
+          <a:p>
+            <a:endParaRPr lang="en-US"/>
+          </a:p>
+        </p:txBody>
+      </p:sp>
+      <p:sp>
+        <p:nvSpPr>
+          <p:cNvPr id="3" name="Content Placeholder 2">
+            <a:extLst>
+              <a:ext uri="{FF2B5EF4-FFF2-40B4-BE49-F238E27FC236}">
+                <a16:creationId xmlns:a16="http://schemas.microsoft.com/office/drawing/2014/main" id="{EC7A4871-689E-35C5-F39A-B4CDDA37F0EE}"/>
+              </a:ext>
+            </a:extLst>
+          </p:cNvPr>
+          <p:cNvSpPr>
+            <a:spLocks noGrp="1"/>
+          </p:cNvSpPr>
+          <p:nvPr>
+            <p:ph idx="1"/>
+          </p:nvPr>
+        </p:nvSpPr>
+        <p:spPr/>
+        <p:txBody>
+          <a:bodyPr/>
+          <a:lstStyle/>
+          <a:p>
+            <a:endParaRPr lang="en-US"/>
+          </a:p>
+        </p:txBody>
+      </p:sp>
+      <p:pic>
+        <p:nvPicPr>
+          <p:cNvPr id="4" name="Picture 2" descr="All About ML — Part 4: Evaluation metrics in classification algorithms | by  Dharani J | All About ML | Medium">
+            <a:extLst>
+              <a:ext uri="{FF2B5EF4-FFF2-40B4-BE49-F238E27FC236}">
+                <a16:creationId xmlns:a16="http://schemas.microsoft.com/office/drawing/2014/main" id="{8E774062-3991-C04C-1A09-7FA28CA337BC}"/>
+              </a:ext>
+            </a:extLst>
+          </p:cNvPr>
+          <p:cNvPicPr>
+            <a:picLocks noChangeAspect="1" noChangeArrowheads="1"/>
+          </p:cNvPicPr>
+          <p:nvPr/>
+        </p:nvPicPr>
+        <p:blipFill>
+          <a:blip r:embed="rId2">
+            <a:extLst>
+              <a:ext uri="{28A0092B-C50C-407E-A947-70E740481C1C}">
+                <a14:useLocalDpi xmlns:a14="http://schemas.microsoft.com/office/drawing/2010/main" val="0"/>
+              </a:ext>
+            </a:extLst>
+          </a:blip>
+          <a:stretch>
+            <a:fillRect/>
+          </a:stretch>
+        </p:blipFill>
+        <p:spPr bwMode="auto">
+          <a:xfrm>
+            <a:off x="1981200" y="2437"/>
+            <a:ext cx="8229600" cy="6855563"/>
+          </a:xfrm>
+          <a:prstGeom prst="rect">
+            <a:avLst/>
+          </a:prstGeom>
+          <a:noFill/>
+          <a:extLst>
+            <a:ext uri="{909E8E84-426E-40DD-AFC4-6F175D3DCCD1}">
+              <a14:hiddenFill xmlns:a14="http://schemas.microsoft.com/office/drawing/2010/main">
+                <a:solidFill>
+                  <a:srgbClr val="FFFFFF"/>
+                </a:solidFill>
+              </a14:hiddenFill>
+            </a:ext>
+          </a:extLst>
+        </p:spPr>
+      </p:pic>
+    </p:spTree>
+    <p:extLst>
+      <p:ext uri="{BB962C8B-B14F-4D97-AF65-F5344CB8AC3E}">
+        <p14:creationId xmlns:p14="http://schemas.microsoft.com/office/powerpoint/2010/main" val="945635844"/>
+      </p:ext>
+    </p:extLst>
+  </p:cSld>
+  <p:clrMapOvr>
+    <a:masterClrMapping/>
+  </p:clrMapOvr>
+</p:sld>
+</file>
+
+<file path=ppt/slides/slide5.xml><?xml version="1.0" encoding="utf-8"?>
+<p:sld xmlns:a="http://schemas.openxmlformats.org/drawingml/2006/main" xmlns:r="http://schemas.openxmlformats.org/officeDocument/2006/relationships" xmlns:p="http://schemas.openxmlformats.org/presentationml/2006/main">
+  <p:cSld>
+    <p:spTree>
+      <p:nvGrpSpPr>
+        <p:cNvPr id="1" name=""/>
+        <p:cNvGrpSpPr/>
+        <p:nvPr/>
+      </p:nvGrpSpPr>
+      <p:grpSpPr>
+        <a:xfrm>
+          <a:off x="0" y="0"/>
+          <a:ext cx="0" cy="0"/>
+          <a:chOff x="0" y="0"/>
+          <a:chExt cx="0" cy="0"/>
+        </a:xfrm>
+      </p:grpSpPr>
+      <p:sp>
+        <p:nvSpPr>
+          <p:cNvPr id="2" name="Title 1">
+            <a:extLst>
+              <a:ext uri="{FF2B5EF4-FFF2-40B4-BE49-F238E27FC236}">
                 <a16:creationId xmlns:a16="http://schemas.microsoft.com/office/drawing/2014/main" id="{8546111C-0CAF-C3C0-2C52-C28CDD5A18C8}"/>
               </a:ext>
             </a:extLst>
@@ -4876,7 +5757,7 @@
 </p:sld>
 </file>
 
-<file path=ppt/slides/slide3.xml><?xml version="1.0" encoding="utf-8"?>
+<file path=ppt/slides/slide6.xml><?xml version="1.0" encoding="utf-8"?>
 <p:sld xmlns:a="http://schemas.openxmlformats.org/drawingml/2006/main" xmlns:r="http://schemas.openxmlformats.org/officeDocument/2006/relationships" xmlns:p="http://schemas.openxmlformats.org/presentationml/2006/main">
   <p:cSld>
     <p:spTree>
@@ -5039,7 +5920,7 @@
 </p:sld>
 </file>
 
-<file path=ppt/slides/slide4.xml><?xml version="1.0" encoding="utf-8"?>
+<file path=ppt/slides/slide7.xml><?xml version="1.0" encoding="utf-8"?>
 <p:sld xmlns:a="http://schemas.openxmlformats.org/drawingml/2006/main" xmlns:r="http://schemas.openxmlformats.org/officeDocument/2006/relationships" xmlns:p="http://schemas.openxmlformats.org/presentationml/2006/main">
   <p:cSld>
     <p:bg>
@@ -5296,7 +6177,7 @@
 </p:sld>
 </file>
 
-<file path=ppt/slides/slide5.xml><?xml version="1.0" encoding="utf-8"?>
+<file path=ppt/slides/slide8.xml><?xml version="1.0" encoding="utf-8"?>
 <p:sld xmlns:a="http://schemas.openxmlformats.org/drawingml/2006/main" xmlns:r="http://schemas.openxmlformats.org/officeDocument/2006/relationships" xmlns:p="http://schemas.openxmlformats.org/presentationml/2006/main">
   <p:cSld>
     <p:spTree>
@@ -5436,7 +6317,7 @@
 </p:sld>
 </file>
 
-<file path=ppt/slides/slide6.xml><?xml version="1.0" encoding="utf-8"?>
+<file path=ppt/slides/slide9.xml><?xml version="1.0" encoding="utf-8"?>
 <p:sld xmlns:a="http://schemas.openxmlformats.org/drawingml/2006/main" xmlns:r="http://schemas.openxmlformats.org/officeDocument/2006/relationships" xmlns:p="http://schemas.openxmlformats.org/presentationml/2006/main">
   <p:cSld>
     <p:bg>
@@ -5635,472 +6516,6 @@
     <p:extLst>
       <p:ext uri="{BB962C8B-B14F-4D97-AF65-F5344CB8AC3E}">
         <p14:creationId xmlns:p14="http://schemas.microsoft.com/office/powerpoint/2010/main" val="966754115"/>
-      </p:ext>
-    </p:extLst>
-  </p:cSld>
-  <p:clrMapOvr>
-    <a:masterClrMapping/>
-  </p:clrMapOvr>
-</p:sld>
-</file>
-
-<file path=ppt/slides/slide7.xml><?xml version="1.0" encoding="utf-8"?>
-<p:sld xmlns:a="http://schemas.openxmlformats.org/drawingml/2006/main" xmlns:r="http://schemas.openxmlformats.org/officeDocument/2006/relationships" xmlns:p="http://schemas.openxmlformats.org/presentationml/2006/main">
-  <p:cSld>
-    <p:spTree>
-      <p:nvGrpSpPr>
-        <p:cNvPr id="1" name=""/>
-        <p:cNvGrpSpPr/>
-        <p:nvPr/>
-      </p:nvGrpSpPr>
-      <p:grpSpPr>
-        <a:xfrm>
-          <a:off x="0" y="0"/>
-          <a:ext cx="0" cy="0"/>
-          <a:chOff x="0" y="0"/>
-          <a:chExt cx="0" cy="0"/>
-        </a:xfrm>
-      </p:grpSpPr>
-      <p:sp>
-        <p:nvSpPr>
-          <p:cNvPr id="2" name="Title 1">
-            <a:extLst>
-              <a:ext uri="{FF2B5EF4-FFF2-40B4-BE49-F238E27FC236}">
-                <a16:creationId xmlns:a16="http://schemas.microsoft.com/office/drawing/2014/main" id="{BE61BE41-E786-902C-7AB8-79C1DE80533D}"/>
-              </a:ext>
-            </a:extLst>
-          </p:cNvPr>
-          <p:cNvSpPr>
-            <a:spLocks noGrp="1"/>
-          </p:cNvSpPr>
-          <p:nvPr>
-            <p:ph type="title"/>
-          </p:nvPr>
-        </p:nvSpPr>
-        <p:spPr/>
-        <p:txBody>
-          <a:bodyPr/>
-          <a:lstStyle/>
-          <a:p>
-            <a:r>
-              <a:rPr lang="en-US" dirty="0"/>
-              <a:t>Grid Usage</a:t>
-            </a:r>
-          </a:p>
-        </p:txBody>
-      </p:sp>
-      <p:sp>
-        <p:nvSpPr>
-          <p:cNvPr id="3" name="Content Placeholder 2">
-            <a:extLst>
-              <a:ext uri="{FF2B5EF4-FFF2-40B4-BE49-F238E27FC236}">
-                <a16:creationId xmlns:a16="http://schemas.microsoft.com/office/drawing/2014/main" id="{378CBF58-40EA-90BF-CC12-A75E42456509}"/>
-              </a:ext>
-            </a:extLst>
-          </p:cNvPr>
-          <p:cNvSpPr>
-            <a:spLocks noGrp="1"/>
-          </p:cNvSpPr>
-          <p:nvPr>
-            <p:ph idx="1"/>
-          </p:nvPr>
-        </p:nvSpPr>
-        <p:spPr>
-          <a:xfrm>
-            <a:off x="1451579" y="1853754"/>
-            <a:ext cx="9603275" cy="4318446"/>
-          </a:xfrm>
-        </p:spPr>
-        <p:txBody>
-          <a:bodyPr/>
-          <a:lstStyle/>
-          <a:p>
-            <a:r>
-              <a:rPr lang="en-US" dirty="0"/>
-              <a:t>The grid search will automate the trials that we’d have to do manually. </a:t>
-            </a:r>
-          </a:p>
-          <a:p>
-            <a:r>
-              <a:rPr lang="en-US" dirty="0"/>
-              <a:t>We get the best model of all possibilities. </a:t>
-            </a:r>
-          </a:p>
-          <a:p>
-            <a:pPr lvl="1"/>
-            <a:r>
-              <a:rPr lang="en-US" dirty="0"/>
-              <a:t>We are still limited by providing a non-massive good set of options, which isn’t always clear. </a:t>
-            </a:r>
-          </a:p>
-          <a:p>
-            <a:r>
-              <a:rPr lang="en-US" dirty="0"/>
-              <a:t>There are other approaches to this automated testing process that can be smarter. </a:t>
-            </a:r>
-          </a:p>
-          <a:p>
-            <a:pPr lvl="1"/>
-            <a:r>
-              <a:rPr lang="en-US" dirty="0"/>
-              <a:t>Some things have large numbers of possible options, or wide ranges for numerical HPs. </a:t>
-            </a:r>
-          </a:p>
-          <a:p>
-            <a:pPr lvl="1"/>
-            <a:r>
-              <a:rPr lang="en-US" dirty="0"/>
-              <a:t>We generally don’t know exactly what a good set of things to try is. </a:t>
-            </a:r>
-          </a:p>
-          <a:p>
-            <a:pPr lvl="1"/>
-            <a:r>
-              <a:rPr lang="en-US" dirty="0"/>
-              <a:t>For numerical values, dialing into an exact value is even more challenging. </a:t>
-            </a:r>
-          </a:p>
-          <a:p>
-            <a:pPr lvl="1"/>
-            <a:r>
-              <a:rPr lang="en-US" dirty="0"/>
-              <a:t>Randomized search will try random values – good if we have no real idea. </a:t>
-            </a:r>
-          </a:p>
-          <a:p>
-            <a:pPr lvl="1"/>
-            <a:r>
-              <a:rPr lang="en-US" dirty="0"/>
-              <a:t>Halving grid search in </a:t>
-            </a:r>
-            <a:r>
-              <a:rPr lang="en-US" dirty="0" err="1"/>
-              <a:t>sklearn</a:t>
-            </a:r>
-            <a:r>
-              <a:rPr lang="en-US" dirty="0"/>
-              <a:t> uses a smarter approach to find good combinations. </a:t>
-            </a:r>
-          </a:p>
-          <a:p>
-            <a:r>
-              <a:rPr lang="en-US" dirty="0"/>
-              <a:t>We can get information out of the GSCV after training by grabbing its attributes. </a:t>
-            </a:r>
-          </a:p>
-        </p:txBody>
-      </p:sp>
-    </p:spTree>
-    <p:extLst>
-      <p:ext uri="{BB962C8B-B14F-4D97-AF65-F5344CB8AC3E}">
-        <p14:creationId xmlns:p14="http://schemas.microsoft.com/office/powerpoint/2010/main" val="1466301867"/>
-      </p:ext>
-    </p:extLst>
-  </p:cSld>
-  <p:clrMapOvr>
-    <a:masterClrMapping/>
-  </p:clrMapOvr>
-</p:sld>
-</file>
-
-<file path=ppt/slides/slide8.xml><?xml version="1.0" encoding="utf-8"?>
-<p:sld xmlns:a="http://schemas.openxmlformats.org/drawingml/2006/main" xmlns:r="http://schemas.openxmlformats.org/officeDocument/2006/relationships" xmlns:p="http://schemas.openxmlformats.org/presentationml/2006/main">
-  <p:cSld>
-    <p:spTree>
-      <p:nvGrpSpPr>
-        <p:cNvPr id="1" name=""/>
-        <p:cNvGrpSpPr/>
-        <p:nvPr/>
-      </p:nvGrpSpPr>
-      <p:grpSpPr>
-        <a:xfrm>
-          <a:off x="0" y="0"/>
-          <a:ext cx="0" cy="0"/>
-          <a:chOff x="0" y="0"/>
-          <a:chExt cx="0" cy="0"/>
-        </a:xfrm>
-      </p:grpSpPr>
-      <p:sp>
-        <p:nvSpPr>
-          <p:cNvPr id="2" name="Title 1">
-            <a:extLst>
-              <a:ext uri="{FF2B5EF4-FFF2-40B4-BE49-F238E27FC236}">
-                <a16:creationId xmlns:a16="http://schemas.microsoft.com/office/drawing/2014/main" id="{E77148F2-81D0-8245-B30B-AACA1A4507AF}"/>
-              </a:ext>
-            </a:extLst>
-          </p:cNvPr>
-          <p:cNvSpPr>
-            <a:spLocks noGrp="1"/>
-          </p:cNvSpPr>
-          <p:nvPr>
-            <p:ph type="title"/>
-          </p:nvPr>
-        </p:nvSpPr>
-        <p:spPr/>
-        <p:txBody>
-          <a:bodyPr/>
-          <a:lstStyle/>
-          <a:p>
-            <a:endParaRPr lang="en-US"/>
-          </a:p>
-        </p:txBody>
-      </p:sp>
-      <p:sp>
-        <p:nvSpPr>
-          <p:cNvPr id="3" name="Content Placeholder 2">
-            <a:extLst>
-              <a:ext uri="{FF2B5EF4-FFF2-40B4-BE49-F238E27FC236}">
-                <a16:creationId xmlns:a16="http://schemas.microsoft.com/office/drawing/2014/main" id="{32DEFB1E-D96B-9841-8081-947CC14EA912}"/>
-              </a:ext>
-            </a:extLst>
-          </p:cNvPr>
-          <p:cNvSpPr>
-            <a:spLocks noGrp="1"/>
-          </p:cNvSpPr>
-          <p:nvPr>
-            <p:ph idx="1"/>
-          </p:nvPr>
-        </p:nvSpPr>
-        <p:spPr/>
-        <p:txBody>
-          <a:bodyPr/>
-          <a:lstStyle/>
-          <a:p>
-            <a:endParaRPr lang="en-US"/>
-          </a:p>
-        </p:txBody>
-      </p:sp>
-      <p:pic>
-        <p:nvPicPr>
-          <p:cNvPr id="1026" name="Picture 2" descr="Hyperparameter tuning using Grid Search and Random Search: A Conceptual  Guide | by Jack Stalfort | Medium">
-            <a:extLst>
-              <a:ext uri="{FF2B5EF4-FFF2-40B4-BE49-F238E27FC236}">
-                <a16:creationId xmlns:a16="http://schemas.microsoft.com/office/drawing/2014/main" id="{4B079130-CD8E-1749-8C90-2A8B5BA19367}"/>
-              </a:ext>
-            </a:extLst>
-          </p:cNvPr>
-          <p:cNvPicPr>
-            <a:picLocks noChangeAspect="1" noChangeArrowheads="1"/>
-          </p:cNvPicPr>
-          <p:nvPr/>
-        </p:nvPicPr>
-        <p:blipFill>
-          <a:blip r:embed="rId2">
-            <a:extLst>
-              <a:ext uri="{28A0092B-C50C-407E-A947-70E740481C1C}">
-                <a14:useLocalDpi xmlns:a14="http://schemas.microsoft.com/office/drawing/2010/main" val="0"/>
-              </a:ext>
-            </a:extLst>
-          </a:blip>
-          <a:srcRect/>
-          <a:stretch>
-            <a:fillRect/>
-          </a:stretch>
-        </p:blipFill>
-        <p:spPr bwMode="auto">
-          <a:xfrm>
-            <a:off x="0" y="390525"/>
-            <a:ext cx="12192000" cy="6076950"/>
-          </a:xfrm>
-          <a:prstGeom prst="rect">
-            <a:avLst/>
-          </a:prstGeom>
-          <a:noFill/>
-          <a:extLst>
-            <a:ext uri="{909E8E84-426E-40DD-AFC4-6F175D3DCCD1}">
-              <a14:hiddenFill xmlns:a14="http://schemas.microsoft.com/office/drawing/2010/main">
-                <a:solidFill>
-                  <a:srgbClr val="FFFFFF"/>
-                </a:solidFill>
-              </a14:hiddenFill>
-            </a:ext>
-          </a:extLst>
-        </p:spPr>
-      </p:pic>
-    </p:spTree>
-    <p:extLst>
-      <p:ext uri="{BB962C8B-B14F-4D97-AF65-F5344CB8AC3E}">
-        <p14:creationId xmlns:p14="http://schemas.microsoft.com/office/powerpoint/2010/main" val="371790968"/>
-      </p:ext>
-    </p:extLst>
-  </p:cSld>
-  <p:clrMapOvr>
-    <a:masterClrMapping/>
-  </p:clrMapOvr>
-</p:sld>
-</file>
-
-<file path=ppt/slides/slide9.xml><?xml version="1.0" encoding="utf-8"?>
-<p:sld xmlns:a="http://schemas.openxmlformats.org/drawingml/2006/main" xmlns:r="http://schemas.openxmlformats.org/officeDocument/2006/relationships" xmlns:p="http://schemas.openxmlformats.org/presentationml/2006/main">
-  <p:cSld>
-    <p:spTree>
-      <p:nvGrpSpPr>
-        <p:cNvPr id="1" name=""/>
-        <p:cNvGrpSpPr/>
-        <p:nvPr/>
-      </p:nvGrpSpPr>
-      <p:grpSpPr>
-        <a:xfrm>
-          <a:off x="0" y="0"/>
-          <a:ext cx="0" cy="0"/>
-          <a:chOff x="0" y="0"/>
-          <a:chExt cx="0" cy="0"/>
-        </a:xfrm>
-      </p:grpSpPr>
-      <p:sp>
-        <p:nvSpPr>
-          <p:cNvPr id="2" name="Title 1">
-            <a:extLst>
-              <a:ext uri="{FF2B5EF4-FFF2-40B4-BE49-F238E27FC236}">
-                <a16:creationId xmlns:a16="http://schemas.microsoft.com/office/drawing/2014/main" id="{1CBD81C9-241D-CD8C-8ED2-83B4ADCACB98}"/>
-              </a:ext>
-            </a:extLst>
-          </p:cNvPr>
-          <p:cNvSpPr>
-            <a:spLocks noGrp="1"/>
-          </p:cNvSpPr>
-          <p:nvPr>
-            <p:ph type="title"/>
-          </p:nvPr>
-        </p:nvSpPr>
-        <p:spPr/>
-        <p:txBody>
-          <a:bodyPr/>
-          <a:lstStyle/>
-          <a:p>
-            <a:r>
-              <a:rPr lang="en-US" dirty="0"/>
-              <a:t>Grids and Pipes</a:t>
-            </a:r>
-          </a:p>
-        </p:txBody>
-      </p:sp>
-      <p:sp>
-        <p:nvSpPr>
-          <p:cNvPr id="3" name="Content Placeholder 2">
-            <a:extLst>
-              <a:ext uri="{FF2B5EF4-FFF2-40B4-BE49-F238E27FC236}">
-                <a16:creationId xmlns:a16="http://schemas.microsoft.com/office/drawing/2014/main" id="{77E34CAC-A722-6F8F-37B1-7FE90B9B92B2}"/>
-              </a:ext>
-            </a:extLst>
-          </p:cNvPr>
-          <p:cNvSpPr>
-            <a:spLocks noGrp="1"/>
-          </p:cNvSpPr>
-          <p:nvPr>
-            <p:ph idx="1"/>
-          </p:nvPr>
-        </p:nvSpPr>
-        <p:spPr>
-          <a:xfrm>
-            <a:off x="0" y="2015732"/>
-            <a:ext cx="4992688" cy="4037749"/>
-          </a:xfrm>
-        </p:spPr>
-        <p:txBody>
-          <a:bodyPr/>
-          <a:lstStyle/>
-          <a:p>
-            <a:r>
-              <a:rPr lang="en-US" dirty="0"/>
-              <a:t>This example is a </a:t>
-            </a:r>
-            <a:r>
-              <a:rPr lang="en-US"/>
-              <a:t>(too) complex </a:t>
-            </a:r>
-            <a:r>
-              <a:rPr lang="en-US" dirty="0"/>
-              <a:t>one. </a:t>
-            </a:r>
-          </a:p>
-          <a:p>
-            <a:r>
-              <a:rPr lang="en-US" dirty="0"/>
-              <a:t>Important:</a:t>
-            </a:r>
-          </a:p>
-          <a:p>
-            <a:pPr lvl="1"/>
-            <a:r>
-              <a:rPr lang="en-US" dirty="0"/>
-              <a:t>We can refer to items by name. </a:t>
-            </a:r>
-          </a:p>
-          <a:p>
-            <a:pPr lvl="1"/>
-            <a:r>
-              <a:rPr lang="en-US" dirty="0"/>
-              <a:t>Each ‘layer’ is separated by a double underscore. </a:t>
-            </a:r>
-          </a:p>
-          <a:p>
-            <a:pPr lvl="1"/>
-            <a:r>
-              <a:rPr lang="en-US" dirty="0"/>
-              <a:t>We can access any hyperparameter this way. </a:t>
-            </a:r>
-          </a:p>
-          <a:p>
-            <a:pPr lvl="1"/>
-            <a:r>
-              <a:rPr lang="en-US" dirty="0"/>
-              <a:t>This can be any # of layers deep, each layer just adds a double underscore. </a:t>
-            </a:r>
-          </a:p>
-        </p:txBody>
-      </p:sp>
-      <p:pic>
-        <p:nvPicPr>
-          <p:cNvPr id="3074" name="Picture 2" descr="Kevin Markham on X: &quot;🤖⚡ scikit-learn tip #49: You can tune 2+ models using  the same grid search! Here's how: 1. Create multiple parameter dictionaries  2. Specify the model within each dictionary">
-            <a:extLst>
-              <a:ext uri="{FF2B5EF4-FFF2-40B4-BE49-F238E27FC236}">
-                <a16:creationId xmlns:a16="http://schemas.microsoft.com/office/drawing/2014/main" id="{92671C52-E636-2FE2-E601-4DE723EF1509}"/>
-              </a:ext>
-            </a:extLst>
-          </p:cNvPr>
-          <p:cNvPicPr>
-            <a:picLocks noChangeAspect="1" noChangeArrowheads="1"/>
-          </p:cNvPicPr>
-          <p:nvPr/>
-        </p:nvPicPr>
-        <p:blipFill>
-          <a:blip r:embed="rId2">
-            <a:extLst>
-              <a:ext uri="{28A0092B-C50C-407E-A947-70E740481C1C}">
-                <a14:useLocalDpi xmlns:a14="http://schemas.microsoft.com/office/drawing/2010/main" val="0"/>
-              </a:ext>
-            </a:extLst>
-          </a:blip>
-          <a:srcRect/>
-          <a:stretch>
-            <a:fillRect/>
-          </a:stretch>
-        </p:blipFill>
-        <p:spPr bwMode="auto">
-          <a:xfrm>
-            <a:off x="4992687" y="0"/>
-            <a:ext cx="7199313" cy="6858000"/>
-          </a:xfrm>
-          <a:prstGeom prst="rect">
-            <a:avLst/>
-          </a:prstGeom>
-          <a:noFill/>
-          <a:extLst>
-            <a:ext uri="{909E8E84-426E-40DD-AFC4-6F175D3DCCD1}">
-              <a14:hiddenFill xmlns:a14="http://schemas.microsoft.com/office/drawing/2010/main">
-                <a:solidFill>
-                  <a:srgbClr val="FFFFFF"/>
-                </a:solidFill>
-              </a14:hiddenFill>
-            </a:ext>
-          </a:extLst>
-        </p:spPr>
-      </p:pic>
-    </p:spTree>
-    <p:extLst>
-      <p:ext uri="{BB962C8B-B14F-4D97-AF65-F5344CB8AC3E}">
-        <p14:creationId xmlns:p14="http://schemas.microsoft.com/office/powerpoint/2010/main" val="1559322198"/>
       </p:ext>
     </p:extLst>
   </p:cSld>

--- a/course_resources/slides/Used/017_Gridsearch.pptx
+++ b/course_resources/slides/Used/017_Gridsearch.pptx
@@ -3725,6 +3725,18 @@
             </a:r>
           </a:p>
           <a:p>
+            <a:pPr lvl="1"/>
+            <a:r>
+              <a:rPr lang="en-US" dirty="0"/>
+              <a:t>Chapter 5 covers this in detail in the text (</a:t>
+            </a:r>
+            <a:r>
+              <a:rPr lang="en-US"/>
+              <a:t>ignore multiclass parts for now). </a:t>
+            </a:r>
+            <a:endParaRPr lang="en-US" dirty="0"/>
+          </a:p>
+          <a:p>
             <a:r>
               <a:rPr lang="en-US" dirty="0"/>
               <a:t>Next:</a:t>

--- a/course_resources/slides/Used/017_Gridsearch.pptx
+++ b/course_resources/slides/Used/017_Gridsearch.pptx
@@ -3728,13 +3728,8 @@
             <a:pPr lvl="1"/>
             <a:r>
               <a:rPr lang="en-US" dirty="0"/>
-              <a:t>Chapter 5 covers this in detail in the text (</a:t>
-            </a:r>
-            <a:r>
-              <a:rPr lang="en-US"/>
-              <a:t>ignore multiclass parts for now). </a:t>
-            </a:r>
-            <a:endParaRPr lang="en-US" dirty="0"/>
+              <a:t>Chapter 5 covers this in detail in the text (ignore multiclass parts for now). </a:t>
+            </a:r>
           </a:p>
           <a:p>
             <a:r>
